--- a/Plot Images/Plot Images.pptx
+++ b/Plot Images/Plot Images.pptx
@@ -15,6 +15,7 @@
     <p:sldId id="266" r:id="rId9"/>
     <p:sldId id="264" r:id="rId10"/>
     <p:sldId id="257" r:id="rId11"/>
+    <p:sldId id="267" r:id="rId12"/>
   </p:sldIdLst>
   <p:sldSz cx="12192000" cy="6858000"/>
   <p:notesSz cx="6858000" cy="9144000"/>
@@ -268,7 +269,7 @@
           <a:p>
             <a:fld id="{853353FF-2A99-46B0-9215-C0B4D6EF92E8}" type="datetimeFigureOut">
               <a:rPr lang="en-US" smtClean="0"/>
-              <a:t>2/27/2024</a:t>
+              <a:t>3/24/2024</a:t>
             </a:fld>
             <a:endParaRPr lang="en-US"/>
           </a:p>
@@ -466,7 +467,7 @@
           <a:p>
             <a:fld id="{853353FF-2A99-46B0-9215-C0B4D6EF92E8}" type="datetimeFigureOut">
               <a:rPr lang="en-US" smtClean="0"/>
-              <a:t>2/27/2024</a:t>
+              <a:t>3/24/2024</a:t>
             </a:fld>
             <a:endParaRPr lang="en-US"/>
           </a:p>
@@ -674,7 +675,7 @@
           <a:p>
             <a:fld id="{853353FF-2A99-46B0-9215-C0B4D6EF92E8}" type="datetimeFigureOut">
               <a:rPr lang="en-US" smtClean="0"/>
-              <a:t>2/27/2024</a:t>
+              <a:t>3/24/2024</a:t>
             </a:fld>
             <a:endParaRPr lang="en-US"/>
           </a:p>
@@ -872,7 +873,7 @@
           <a:p>
             <a:fld id="{853353FF-2A99-46B0-9215-C0B4D6EF92E8}" type="datetimeFigureOut">
               <a:rPr lang="en-US" smtClean="0"/>
-              <a:t>2/27/2024</a:t>
+              <a:t>3/24/2024</a:t>
             </a:fld>
             <a:endParaRPr lang="en-US"/>
           </a:p>
@@ -1147,7 +1148,7 @@
           <a:p>
             <a:fld id="{853353FF-2A99-46B0-9215-C0B4D6EF92E8}" type="datetimeFigureOut">
               <a:rPr lang="en-US" smtClean="0"/>
-              <a:t>2/27/2024</a:t>
+              <a:t>3/24/2024</a:t>
             </a:fld>
             <a:endParaRPr lang="en-US"/>
           </a:p>
@@ -1412,7 +1413,7 @@
           <a:p>
             <a:fld id="{853353FF-2A99-46B0-9215-C0B4D6EF92E8}" type="datetimeFigureOut">
               <a:rPr lang="en-US" smtClean="0"/>
-              <a:t>2/27/2024</a:t>
+              <a:t>3/24/2024</a:t>
             </a:fld>
             <a:endParaRPr lang="en-US"/>
           </a:p>
@@ -1824,7 +1825,7 @@
           <a:p>
             <a:fld id="{853353FF-2A99-46B0-9215-C0B4D6EF92E8}" type="datetimeFigureOut">
               <a:rPr lang="en-US" smtClean="0"/>
-              <a:t>2/27/2024</a:t>
+              <a:t>3/24/2024</a:t>
             </a:fld>
             <a:endParaRPr lang="en-US"/>
           </a:p>
@@ -1965,7 +1966,7 @@
           <a:p>
             <a:fld id="{853353FF-2A99-46B0-9215-C0B4D6EF92E8}" type="datetimeFigureOut">
               <a:rPr lang="en-US" smtClean="0"/>
-              <a:t>2/27/2024</a:t>
+              <a:t>3/24/2024</a:t>
             </a:fld>
             <a:endParaRPr lang="en-US"/>
           </a:p>
@@ -2078,7 +2079,7 @@
           <a:p>
             <a:fld id="{853353FF-2A99-46B0-9215-C0B4D6EF92E8}" type="datetimeFigureOut">
               <a:rPr lang="en-US" smtClean="0"/>
-              <a:t>2/27/2024</a:t>
+              <a:t>3/24/2024</a:t>
             </a:fld>
             <a:endParaRPr lang="en-US"/>
           </a:p>
@@ -2389,7 +2390,7 @@
           <a:p>
             <a:fld id="{853353FF-2A99-46B0-9215-C0B4D6EF92E8}" type="datetimeFigureOut">
               <a:rPr lang="en-US" smtClean="0"/>
-              <a:t>2/27/2024</a:t>
+              <a:t>3/24/2024</a:t>
             </a:fld>
             <a:endParaRPr lang="en-US"/>
           </a:p>
@@ -2677,7 +2678,7 @@
           <a:p>
             <a:fld id="{853353FF-2A99-46B0-9215-C0B4D6EF92E8}" type="datetimeFigureOut">
               <a:rPr lang="en-US" smtClean="0"/>
-              <a:t>2/27/2024</a:t>
+              <a:t>3/24/2024</a:t>
             </a:fld>
             <a:endParaRPr lang="en-US"/>
           </a:p>
@@ -2918,7 +2919,7 @@
           <a:p>
             <a:fld id="{853353FF-2A99-46B0-9215-C0B4D6EF92E8}" type="datetimeFigureOut">
               <a:rPr lang="en-US" smtClean="0"/>
-              <a:t>2/27/2024</a:t>
+              <a:t>3/24/2024</a:t>
             </a:fld>
             <a:endParaRPr lang="en-US"/>
           </a:p>
@@ -3769,6 +3770,253 @@
     <p:extLst>
       <p:ext uri="{BB962C8B-B14F-4D97-AF65-F5344CB8AC3E}">
         <p14:creationId xmlns:p14="http://schemas.microsoft.com/office/powerpoint/2010/main" val="1732951121"/>
+      </p:ext>
+    </p:extLst>
+  </p:cSld>
+  <p:clrMapOvr>
+    <a:masterClrMapping/>
+  </p:clrMapOvr>
+</p:sld>
+</file>
+
+<file path=ppt/slides/slide11.xml><?xml version="1.0" encoding="utf-8"?>
+<p:sld xmlns:a="http://schemas.openxmlformats.org/drawingml/2006/main" xmlns:r="http://schemas.openxmlformats.org/officeDocument/2006/relationships" xmlns:p="http://schemas.openxmlformats.org/presentationml/2006/main">
+  <p:cSld>
+    <p:spTree>
+      <p:nvGrpSpPr>
+        <p:cNvPr id="1" name=""/>
+        <p:cNvGrpSpPr/>
+        <p:nvPr/>
+      </p:nvGrpSpPr>
+      <p:grpSpPr>
+        <a:xfrm>
+          <a:off x="0" y="0"/>
+          <a:ext cx="0" cy="0"/>
+          <a:chOff x="0" y="0"/>
+          <a:chExt cx="0" cy="0"/>
+        </a:xfrm>
+      </p:grpSpPr>
+      <p:grpSp>
+        <p:nvGrpSpPr>
+          <p:cNvPr id="16" name="Group 15">
+            <a:extLst>
+              <a:ext uri="{FF2B5EF4-FFF2-40B4-BE49-F238E27FC236}">
+                <a16:creationId xmlns:a16="http://schemas.microsoft.com/office/drawing/2014/main" id="{C8D3EC37-B60F-B0B2-2428-2DC922E0453B}"/>
+              </a:ext>
+            </a:extLst>
+          </p:cNvPr>
+          <p:cNvGrpSpPr/>
+          <p:nvPr/>
+        </p:nvGrpSpPr>
+        <p:grpSpPr>
+          <a:xfrm>
+            <a:off x="2114550" y="692705"/>
+            <a:ext cx="7962900" cy="5472590"/>
+            <a:chOff x="2114550" y="238048"/>
+            <a:chExt cx="7962900" cy="5472590"/>
+          </a:xfrm>
+        </p:grpSpPr>
+        <p:pic>
+          <p:nvPicPr>
+            <p:cNvPr id="5" name="Picture 4">
+              <a:extLst>
+                <a:ext uri="{FF2B5EF4-FFF2-40B4-BE49-F238E27FC236}">
+                  <a16:creationId xmlns:a16="http://schemas.microsoft.com/office/drawing/2014/main" id="{3576C9DE-1D78-B20B-DA82-0733BF52D247}"/>
+                </a:ext>
+              </a:extLst>
+            </p:cNvPr>
+            <p:cNvPicPr>
+              <a:picLocks noChangeAspect="1"/>
+            </p:cNvPicPr>
+            <p:nvPr/>
+          </p:nvPicPr>
+          <p:blipFill>
+            <a:blip r:embed="rId2">
+              <a:extLst>
+                <a:ext uri="{28A0092B-C50C-407E-A947-70E740481C1C}">
+                  <a14:useLocalDpi xmlns:a14="http://schemas.microsoft.com/office/drawing/2010/main" val="0"/>
+                </a:ext>
+              </a:extLst>
+            </a:blip>
+            <a:stretch>
+              <a:fillRect/>
+            </a:stretch>
+          </p:blipFill>
+          <p:spPr>
+            <a:xfrm>
+              <a:off x="2114550" y="238048"/>
+              <a:ext cx="7962900" cy="1596039"/>
+            </a:xfrm>
+            <a:prstGeom prst="rect">
+              <a:avLst/>
+            </a:prstGeom>
+          </p:spPr>
+        </p:pic>
+        <p:pic>
+          <p:nvPicPr>
+            <p:cNvPr id="7" name="Picture 6">
+              <a:extLst>
+                <a:ext uri="{FF2B5EF4-FFF2-40B4-BE49-F238E27FC236}">
+                  <a16:creationId xmlns:a16="http://schemas.microsoft.com/office/drawing/2014/main" id="{E5B67651-7069-F2DC-6F25-968CC932A323}"/>
+                </a:ext>
+              </a:extLst>
+            </p:cNvPr>
+            <p:cNvPicPr>
+              <a:picLocks noChangeAspect="1"/>
+            </p:cNvPicPr>
+            <p:nvPr/>
+          </p:nvPicPr>
+          <p:blipFill>
+            <a:blip r:embed="rId3">
+              <a:extLst>
+                <a:ext uri="{28A0092B-C50C-407E-A947-70E740481C1C}">
+                  <a14:useLocalDpi xmlns:a14="http://schemas.microsoft.com/office/drawing/2010/main" val="0"/>
+                </a:ext>
+              </a:extLst>
+            </a:blip>
+            <a:stretch>
+              <a:fillRect/>
+            </a:stretch>
+          </p:blipFill>
+          <p:spPr>
+            <a:xfrm>
+              <a:off x="2254250" y="1556625"/>
+              <a:ext cx="7683501" cy="1500192"/>
+            </a:xfrm>
+            <a:prstGeom prst="rect">
+              <a:avLst/>
+            </a:prstGeom>
+          </p:spPr>
+        </p:pic>
+        <p:pic>
+          <p:nvPicPr>
+            <p:cNvPr id="14" name="Picture 13">
+              <a:extLst>
+                <a:ext uri="{FF2B5EF4-FFF2-40B4-BE49-F238E27FC236}">
+                  <a16:creationId xmlns:a16="http://schemas.microsoft.com/office/drawing/2014/main" id="{FC472A6A-A080-332C-633B-70AB6D734CD3}"/>
+                </a:ext>
+              </a:extLst>
+            </p:cNvPr>
+            <p:cNvPicPr>
+              <a:picLocks noChangeAspect="1"/>
+            </p:cNvPicPr>
+            <p:nvPr/>
+          </p:nvPicPr>
+          <p:blipFill>
+            <a:blip r:embed="rId4">
+              <a:extLst>
+                <a:ext uri="{28A0092B-C50C-407E-A947-70E740481C1C}">
+                  <a14:useLocalDpi xmlns:a14="http://schemas.microsoft.com/office/drawing/2010/main" val="0"/>
+                </a:ext>
+              </a:extLst>
+            </a:blip>
+            <a:stretch>
+              <a:fillRect/>
+            </a:stretch>
+          </p:blipFill>
+          <p:spPr>
+            <a:xfrm>
+              <a:off x="2336800" y="2890895"/>
+              <a:ext cx="7518400" cy="1520051"/>
+            </a:xfrm>
+            <a:prstGeom prst="rect">
+              <a:avLst/>
+            </a:prstGeom>
+          </p:spPr>
+        </p:pic>
+        <p:pic>
+          <p:nvPicPr>
+            <p:cNvPr id="15" name="Picture 14">
+              <a:extLst>
+                <a:ext uri="{FF2B5EF4-FFF2-40B4-BE49-F238E27FC236}">
+                  <a16:creationId xmlns:a16="http://schemas.microsoft.com/office/drawing/2014/main" id="{4B6F0AB9-FF7A-9D8A-5AA6-EBAB68E47AD1}"/>
+                </a:ext>
+              </a:extLst>
+            </p:cNvPr>
+            <p:cNvPicPr>
+              <a:picLocks noChangeAspect="1"/>
+            </p:cNvPicPr>
+            <p:nvPr/>
+          </p:nvPicPr>
+          <p:blipFill>
+            <a:blip r:embed="rId5">
+              <a:extLst>
+                <a:ext uri="{28A0092B-C50C-407E-A947-70E740481C1C}">
+                  <a14:useLocalDpi xmlns:a14="http://schemas.microsoft.com/office/drawing/2010/main" val="0"/>
+                </a:ext>
+              </a:extLst>
+            </a:blip>
+            <a:stretch>
+              <a:fillRect/>
+            </a:stretch>
+          </p:blipFill>
+          <p:spPr>
+            <a:xfrm>
+              <a:off x="2336800" y="4375394"/>
+              <a:ext cx="7518401" cy="1335244"/>
+            </a:xfrm>
+            <a:prstGeom prst="rect">
+              <a:avLst/>
+            </a:prstGeom>
+          </p:spPr>
+        </p:pic>
+      </p:grpSp>
+      <p:sp>
+        <p:nvSpPr>
+          <p:cNvPr id="17" name="Rectangle 16">
+            <a:extLst>
+              <a:ext uri="{FF2B5EF4-FFF2-40B4-BE49-F238E27FC236}">
+                <a16:creationId xmlns:a16="http://schemas.microsoft.com/office/drawing/2014/main" id="{CD2620FD-6E80-AD99-9520-E446D2E847B3}"/>
+              </a:ext>
+            </a:extLst>
+          </p:cNvPr>
+          <p:cNvSpPr/>
+          <p:nvPr/>
+        </p:nvSpPr>
+        <p:spPr>
+          <a:xfrm>
+            <a:off x="1974850" y="533400"/>
+            <a:ext cx="8242300" cy="5791200"/>
+          </a:xfrm>
+          <a:prstGeom prst="rect">
+            <a:avLst/>
+          </a:prstGeom>
+          <a:noFill/>
+          <a:ln>
+            <a:solidFill>
+              <a:schemeClr val="tx1"/>
+            </a:solidFill>
+          </a:ln>
+        </p:spPr>
+        <p:style>
+          <a:lnRef idx="2">
+            <a:schemeClr val="accent1">
+              <a:shade val="15000"/>
+            </a:schemeClr>
+          </a:lnRef>
+          <a:fillRef idx="1">
+            <a:schemeClr val="accent1"/>
+          </a:fillRef>
+          <a:effectRef idx="0">
+            <a:schemeClr val="accent1"/>
+          </a:effectRef>
+          <a:fontRef idx="minor">
+            <a:schemeClr val="lt1"/>
+          </a:fontRef>
+        </p:style>
+        <p:txBody>
+          <a:bodyPr rtlCol="0" anchor="ctr"/>
+          <a:lstStyle/>
+          <a:p>
+            <a:pPr algn="ctr"/>
+            <a:endParaRPr lang="en-IN"/>
+          </a:p>
+        </p:txBody>
+      </p:sp>
+    </p:spTree>
+    <p:extLst>
+      <p:ext uri="{BB962C8B-B14F-4D97-AF65-F5344CB8AC3E}">
+        <p14:creationId xmlns:p14="http://schemas.microsoft.com/office/powerpoint/2010/main" val="2336563611"/>
       </p:ext>
     </p:extLst>
   </p:cSld>
